--- a/TermProject/TerProject 3차 발표자료.pptx
+++ b/TermProject/TerProject 3차 발표자료.pptx
@@ -4013,18 +4013,15 @@
           </a:p>
           <a:p>
             <a:pPr algn="ctr"/>
-            <a:r>
-              <a:rPr lang="en-US" altLang="ko-KR" sz="2000" dirty="0">
-                <a:solidFill>
-                  <a:schemeClr val="bg1">
-                    <a:lumMod val="85000"/>
-                  </a:schemeClr>
-                </a:solidFill>
-                <a:latin typeface="나눔스퀘어_ac ExtraBold" panose="020B0600000101010101" pitchFamily="50" charset="-127"/>
-                <a:ea typeface="나눔스퀘어_ac ExtraBold" panose="020B0600000101010101" pitchFamily="50" charset="-127"/>
-              </a:rPr>
-              <a:t>06</a:t>
-            </a:r>
+            <a:endParaRPr lang="en-US" altLang="ko-KR" sz="2000" dirty="0">
+              <a:solidFill>
+                <a:schemeClr val="bg1">
+                  <a:lumMod val="85000"/>
+                </a:schemeClr>
+              </a:solidFill>
+              <a:latin typeface="나눔스퀘어_ac ExtraBold" panose="020B0600000101010101" pitchFamily="50" charset="-127"/>
+              <a:ea typeface="나눔스퀘어_ac ExtraBold" panose="020B0600000101010101" pitchFamily="50" charset="-127"/>
+            </a:endParaRPr>
           </a:p>
           <a:p>
             <a:pPr algn="ctr"/>
@@ -4991,8 +4988,8 @@
         </p:nvSpPr>
         <p:spPr>
           <a:xfrm>
-            <a:off x="5281355" y="1127621"/>
-            <a:ext cx="6990080" cy="4244367"/>
+            <a:off x="5201920" y="1400337"/>
+            <a:ext cx="6990080" cy="3536481"/>
           </a:xfrm>
           <a:prstGeom prst="rect">
             <a:avLst/>
@@ -5108,38 +5105,19 @@
               </a:rPr>
               <a:t>생성</a:t>
             </a:r>
-            <a:endParaRPr lang="en-US" altLang="ko-KR" sz="2300" dirty="0">
-              <a:latin typeface="나눔스퀘어_ac ExtraBold" panose="020B0600000101010101" pitchFamily="50" charset="-127"/>
-              <a:ea typeface="나눔스퀘어_ac ExtraBold" panose="020B0600000101010101" pitchFamily="50" charset="-127"/>
-            </a:endParaRPr>
-          </a:p>
-          <a:p>
-            <a:pPr marL="342900" indent="-342900">
-              <a:lnSpc>
-                <a:spcPct val="200000"/>
-              </a:lnSpc>
-              <a:buAutoNum type="arabicPeriod"/>
-            </a:pPr>
+            <a:r>
+              <a:rPr lang="en-US" altLang="ko-KR" sz="2300" dirty="0">
+                <a:latin typeface="나눔스퀘어_ac ExtraBold" panose="020B0600000101010101" pitchFamily="50" charset="-127"/>
+                <a:ea typeface="나눔스퀘어_ac ExtraBold" panose="020B0600000101010101" pitchFamily="50" charset="-127"/>
+              </a:rPr>
+              <a:t>(</a:t>
+            </a:r>
             <a:r>
               <a:rPr lang="ko-KR" altLang="en-US" sz="2300" dirty="0">
                 <a:latin typeface="나눔스퀘어_ac ExtraBold" panose="020B0600000101010101" pitchFamily="50" charset="-127"/>
                 <a:ea typeface="나눔스퀘어_ac ExtraBold" panose="020B0600000101010101" pitchFamily="50" charset="-127"/>
               </a:rPr>
-              <a:t>인스턴스 예시</a:t>
-            </a:r>
-            <a:r>
-              <a:rPr lang="en-US" altLang="ko-KR" sz="2300" dirty="0">
-                <a:latin typeface="나눔스퀘어_ac ExtraBold" panose="020B0600000101010101" pitchFamily="50" charset="-127"/>
-                <a:ea typeface="나눔스퀘어_ac ExtraBold" panose="020B0600000101010101" pitchFamily="50" charset="-127"/>
-              </a:rPr>
-              <a:t>(</a:t>
-            </a:r>
-            <a:r>
-              <a:rPr lang="ko-KR" altLang="en-US" sz="2300" dirty="0">
-                <a:latin typeface="나눔스퀘어_ac ExtraBold" panose="020B0600000101010101" pitchFamily="50" charset="-127"/>
-                <a:ea typeface="나눔스퀘어_ac ExtraBold" panose="020B0600000101010101" pitchFamily="50" charset="-127"/>
-              </a:rPr>
-              <a:t>스크린샷</a:t>
+              <a:t>인스턴스 스크린샷 포함</a:t>
             </a:r>
             <a:r>
               <a:rPr lang="en-US" altLang="ko-KR" sz="2300" dirty="0">
@@ -5344,7 +5322,7 @@
         <p:spPr>
           <a:xfrm>
             <a:off x="0" y="-5417"/>
-            <a:ext cx="812800" cy="6555641"/>
+            <a:ext cx="812800" cy="6247864"/>
           </a:xfrm>
           <a:prstGeom prst="rect">
             <a:avLst/>
@@ -5581,21 +5559,6 @@
               <a:latin typeface="나눔스퀘어_ac ExtraBold" panose="020B0600000101010101" pitchFamily="50" charset="-127"/>
               <a:ea typeface="나눔스퀘어_ac ExtraBold" panose="020B0600000101010101" pitchFamily="50" charset="-127"/>
             </a:endParaRPr>
-          </a:p>
-          <a:p>
-            <a:pPr algn="ctr"/>
-            <a:r>
-              <a:rPr lang="en-US" altLang="ko-KR" sz="2000" dirty="0">
-                <a:solidFill>
-                  <a:schemeClr val="bg1">
-                    <a:lumMod val="85000"/>
-                  </a:schemeClr>
-                </a:solidFill>
-                <a:latin typeface="나눔스퀘어_ac ExtraBold" panose="020B0600000101010101" pitchFamily="50" charset="-127"/>
-                <a:ea typeface="나눔스퀘어_ac ExtraBold" panose="020B0600000101010101" pitchFamily="50" charset="-127"/>
-              </a:rPr>
-              <a:t>06</a:t>
-            </a:r>
           </a:p>
           <a:p>
             <a:pPr algn="ctr"/>
@@ -6360,18 +6323,15 @@
           </a:p>
           <a:p>
             <a:pPr algn="ctr"/>
-            <a:r>
-              <a:rPr lang="en-US" altLang="ko-KR" sz="2000" dirty="0">
-                <a:solidFill>
-                  <a:schemeClr val="bg1">
-                    <a:lumMod val="85000"/>
-                  </a:schemeClr>
-                </a:solidFill>
-                <a:latin typeface="나눔스퀘어_ac ExtraBold" panose="020B0600000101010101" pitchFamily="50" charset="-127"/>
-                <a:ea typeface="나눔스퀘어_ac ExtraBold" panose="020B0600000101010101" pitchFamily="50" charset="-127"/>
-              </a:rPr>
-              <a:t>06</a:t>
-            </a:r>
+            <a:endParaRPr lang="en-US" altLang="ko-KR" sz="2000" dirty="0">
+              <a:solidFill>
+                <a:schemeClr val="bg1">
+                  <a:lumMod val="85000"/>
+                </a:schemeClr>
+              </a:solidFill>
+              <a:latin typeface="나눔스퀘어_ac ExtraBold" panose="020B0600000101010101" pitchFamily="50" charset="-127"/>
+              <a:ea typeface="나눔스퀘어_ac ExtraBold" panose="020B0600000101010101" pitchFamily="50" charset="-127"/>
+            </a:endParaRPr>
           </a:p>
           <a:p>
             <a:pPr algn="ctr"/>
@@ -7617,18 +7577,15 @@
           </a:p>
           <a:p>
             <a:pPr algn="ctr"/>
-            <a:r>
-              <a:rPr lang="en-US" altLang="ko-KR" sz="2000" dirty="0">
-                <a:solidFill>
-                  <a:schemeClr val="bg1">
-                    <a:lumMod val="85000"/>
-                  </a:schemeClr>
-                </a:solidFill>
-                <a:latin typeface="나눔스퀘어_ac ExtraBold" panose="020B0600000101010101" pitchFamily="50" charset="-127"/>
-                <a:ea typeface="나눔스퀘어_ac ExtraBold" panose="020B0600000101010101" pitchFamily="50" charset="-127"/>
-              </a:rPr>
-              <a:t>06</a:t>
-            </a:r>
+            <a:endParaRPr lang="en-US" altLang="ko-KR" sz="2000" dirty="0">
+              <a:solidFill>
+                <a:schemeClr val="bg1">
+                  <a:lumMod val="85000"/>
+                </a:schemeClr>
+              </a:solidFill>
+              <a:latin typeface="나눔스퀘어_ac ExtraBold" panose="020B0600000101010101" pitchFamily="50" charset="-127"/>
+              <a:ea typeface="나눔스퀘어_ac ExtraBold" panose="020B0600000101010101" pitchFamily="50" charset="-127"/>
+            </a:endParaRPr>
           </a:p>
           <a:p>
             <a:pPr algn="ctr"/>
@@ -8339,18 +8296,15 @@
           </a:p>
           <a:p>
             <a:pPr algn="ctr"/>
-            <a:r>
-              <a:rPr lang="en-US" altLang="ko-KR" sz="2000" dirty="0">
-                <a:solidFill>
-                  <a:schemeClr val="bg1">
-                    <a:lumMod val="85000"/>
-                  </a:schemeClr>
-                </a:solidFill>
-                <a:latin typeface="나눔스퀘어_ac ExtraBold" panose="020B0600000101010101" pitchFamily="50" charset="-127"/>
-                <a:ea typeface="나눔스퀘어_ac ExtraBold" panose="020B0600000101010101" pitchFamily="50" charset="-127"/>
-              </a:rPr>
-              <a:t>06</a:t>
-            </a:r>
+            <a:endParaRPr lang="en-US" altLang="ko-KR" sz="2000" dirty="0">
+              <a:solidFill>
+                <a:schemeClr val="bg1">
+                  <a:lumMod val="85000"/>
+                </a:schemeClr>
+              </a:solidFill>
+              <a:latin typeface="나눔스퀘어_ac ExtraBold" panose="020B0600000101010101" pitchFamily="50" charset="-127"/>
+              <a:ea typeface="나눔스퀘어_ac ExtraBold" panose="020B0600000101010101" pitchFamily="50" charset="-127"/>
+            </a:endParaRPr>
           </a:p>
           <a:p>
             <a:pPr algn="ctr"/>
@@ -9145,18 +9099,15 @@
           </a:p>
           <a:p>
             <a:pPr algn="ctr"/>
-            <a:r>
-              <a:rPr lang="en-US" altLang="ko-KR" sz="2000" dirty="0">
-                <a:solidFill>
-                  <a:schemeClr val="bg1">
-                    <a:lumMod val="85000"/>
-                  </a:schemeClr>
-                </a:solidFill>
-                <a:latin typeface="나눔스퀘어_ac ExtraBold" panose="020B0600000101010101" pitchFamily="50" charset="-127"/>
-                <a:ea typeface="나눔스퀘어_ac ExtraBold" panose="020B0600000101010101" pitchFamily="50" charset="-127"/>
-              </a:rPr>
-              <a:t>06</a:t>
-            </a:r>
+            <a:endParaRPr lang="en-US" altLang="ko-KR" sz="2000" dirty="0">
+              <a:solidFill>
+                <a:schemeClr val="bg1">
+                  <a:lumMod val="85000"/>
+                </a:schemeClr>
+              </a:solidFill>
+              <a:latin typeface="나눔스퀘어_ac ExtraBold" panose="020B0600000101010101" pitchFamily="50" charset="-127"/>
+              <a:ea typeface="나눔스퀘어_ac ExtraBold" panose="020B0600000101010101" pitchFamily="50" charset="-127"/>
+            </a:endParaRPr>
           </a:p>
           <a:p>
             <a:pPr algn="ctr"/>
@@ -10327,18 +10278,15 @@
           </a:p>
           <a:p>
             <a:pPr algn="ctr"/>
-            <a:r>
-              <a:rPr lang="en-US" altLang="ko-KR" sz="2000" dirty="0">
-                <a:solidFill>
-                  <a:schemeClr val="bg1">
-                    <a:lumMod val="85000"/>
-                  </a:schemeClr>
-                </a:solidFill>
-                <a:latin typeface="나눔스퀘어_ac ExtraBold" panose="020B0600000101010101" pitchFamily="50" charset="-127"/>
-                <a:ea typeface="나눔스퀘어_ac ExtraBold" panose="020B0600000101010101" pitchFamily="50" charset="-127"/>
-              </a:rPr>
-              <a:t>06</a:t>
-            </a:r>
+            <a:endParaRPr lang="en-US" altLang="ko-KR" sz="2000" dirty="0">
+              <a:solidFill>
+                <a:schemeClr val="bg1">
+                  <a:lumMod val="85000"/>
+                </a:schemeClr>
+              </a:solidFill>
+              <a:latin typeface="나눔스퀘어_ac ExtraBold" panose="020B0600000101010101" pitchFamily="50" charset="-127"/>
+              <a:ea typeface="나눔스퀘어_ac ExtraBold" panose="020B0600000101010101" pitchFamily="50" charset="-127"/>
+            </a:endParaRPr>
           </a:p>
           <a:p>
             <a:pPr algn="ctr"/>
@@ -12171,18 +12119,15 @@
           </a:p>
           <a:p>
             <a:pPr algn="ctr"/>
-            <a:r>
-              <a:rPr lang="en-US" altLang="ko-KR" sz="2000" dirty="0">
-                <a:solidFill>
-                  <a:schemeClr val="bg1">
-                    <a:lumMod val="85000"/>
-                  </a:schemeClr>
-                </a:solidFill>
-                <a:latin typeface="나눔스퀘어_ac ExtraBold" panose="020B0600000101010101" pitchFamily="50" charset="-127"/>
-                <a:ea typeface="나눔스퀘어_ac ExtraBold" panose="020B0600000101010101" pitchFamily="50" charset="-127"/>
-              </a:rPr>
-              <a:t>06</a:t>
-            </a:r>
+            <a:endParaRPr lang="en-US" altLang="ko-KR" sz="2000" dirty="0">
+              <a:solidFill>
+                <a:schemeClr val="bg1">
+                  <a:lumMod val="85000"/>
+                </a:schemeClr>
+              </a:solidFill>
+              <a:latin typeface="나눔스퀘어_ac ExtraBold" panose="020B0600000101010101" pitchFamily="50" charset="-127"/>
+              <a:ea typeface="나눔스퀘어_ac ExtraBold" panose="020B0600000101010101" pitchFamily="50" charset="-127"/>
+            </a:endParaRPr>
           </a:p>
           <a:p>
             <a:pPr algn="ctr"/>
